--- a/KaranBhanushali_ABADS_B13.pptx
+++ b/KaranBhanushali_ABADS_B13.pptx
@@ -16499,8 +16499,8 @@
         </p:nvSpPr>
         <p:spPr>
           <a:xfrm>
-            <a:off x="0" y="626267"/>
-            <a:ext cx="4916556" cy="831058"/>
+            <a:off x="0" y="0"/>
+            <a:ext cx="4916556" cy="1457325"/>
           </a:xfrm>
           <a:prstGeom prst="rect">
             <a:avLst/>
@@ -16532,11 +16532,23 @@
             </a:lvl1pPr>
           </a:lstStyle>
           <a:p>
-            <a:r>
-              <a:rPr lang="en-US" sz="1600" cap="none" dirty="0"/>
-              <a:t>a. Examine the distribution of individual key features, such as age, balance, and call duration. </a:t>
-            </a:r>
-            <a:endParaRPr lang="en-US" sz="1600" cap="none" dirty="0">
+            <a:pPr marL="342900" indent="-342900">
+              <a:buAutoNum type="alphaLcPeriod"/>
+            </a:pPr>
+            <a:r>
+              <a:rPr lang="en-US" sz="1050" cap="none" dirty="0"/>
+              <a:t>Examine the distribution of individual key features, such as age, balance, and call duration.</a:t>
+            </a:r>
+          </a:p>
+          <a:p>
+            <a:pPr marL="342900" indent="-342900">
+              <a:buAutoNum type="alphaLcPeriod"/>
+            </a:pPr>
+            <a:r>
+              <a:rPr lang="en-US" sz="1050" cap="none" dirty="0"/>
+              <a:t>Analyze how features like age, job type, education, marital status, etc., Associate with the success of the term deposit campaign, using visualizations like bar charts, stacked bar charts, and heat maps.  </a:t>
+            </a:r>
+            <a:endParaRPr lang="en-US" sz="1050" cap="none" dirty="0">
               <a:latin typeface="+mn-lt"/>
             </a:endParaRPr>
           </a:p>
@@ -16766,65 +16778,6 @@
       </p:sp>
       <p:sp>
         <p:nvSpPr>
-          <p:cNvPr id="9" name="Title 1">
-            <a:extLst>
-              <a:ext uri="{FF2B5EF4-FFF2-40B4-BE49-F238E27FC236}">
-                <a16:creationId xmlns:a16="http://schemas.microsoft.com/office/drawing/2014/main" id="{99FF12E6-CF10-4520-9A6F-33844944D49F}"/>
-              </a:ext>
-            </a:extLst>
-          </p:cNvPr>
-          <p:cNvSpPr txBox="1">
-            <a:spLocks/>
-          </p:cNvSpPr>
-          <p:nvPr/>
-        </p:nvSpPr>
-        <p:spPr>
-          <a:xfrm>
-            <a:off x="190499" y="633440"/>
-            <a:ext cx="9591675" cy="438151"/>
-          </a:xfrm>
-          <a:prstGeom prst="rect">
-            <a:avLst/>
-          </a:prstGeom>
-        </p:spPr>
-        <p:txBody>
-          <a:bodyPr vert="horz" lIns="91440" tIns="45720" rIns="91440" bIns="45720" rtlCol="0" anchor="b">
-            <a:normAutofit/>
-          </a:bodyPr>
-          <a:lstStyle>
-            <a:lvl1pPr algn="l" defTabSz="914400" rtl="0" eaLnBrk="1" latinLnBrk="0" hangingPunct="1">
-              <a:lnSpc>
-                <a:spcPct val="90000"/>
-              </a:lnSpc>
-              <a:spcBef>
-                <a:spcPct val="0"/>
-              </a:spcBef>
-              <a:buNone/>
-              <a:defRPr sz="3400" kern="1200" cap="all" baseline="0">
-                <a:solidFill>
-                  <a:schemeClr val="accent1">
-                    <a:lumMod val="75000"/>
-                  </a:schemeClr>
-                </a:solidFill>
-                <a:latin typeface="+mj-lt"/>
-                <a:ea typeface="+mj-ea"/>
-                <a:cs typeface="+mj-cs"/>
-              </a:defRPr>
-            </a:lvl1pPr>
-          </a:lstStyle>
-          <a:p>
-            <a:r>
-              <a:rPr lang="en-US" sz="1600" cap="none" dirty="0"/>
-              <a:t>a. Examine the distribution of individual key features, such as age, balance, and call duration. </a:t>
-            </a:r>
-            <a:endParaRPr lang="en-US" sz="1600" cap="none" dirty="0">
-              <a:latin typeface="+mn-lt"/>
-            </a:endParaRPr>
-          </a:p>
-        </p:txBody>
-      </p:sp>
-      <p:sp>
-        <p:nvSpPr>
           <p:cNvPr id="11" name="Content Placeholder 2">
             <a:extLst>
               <a:ext uri="{FF2B5EF4-FFF2-40B4-BE49-F238E27FC236}">
@@ -16914,6 +16867,77 @@
           </a:prstGeom>
         </p:spPr>
       </p:pic>
+      <p:sp>
+        <p:nvSpPr>
+          <p:cNvPr id="7" name="Title 1">
+            <a:extLst>
+              <a:ext uri="{FF2B5EF4-FFF2-40B4-BE49-F238E27FC236}">
+                <a16:creationId xmlns:a16="http://schemas.microsoft.com/office/drawing/2014/main" id="{00A9DFB9-0FDA-4ADC-83FE-E6D6763E04F0}"/>
+              </a:ext>
+            </a:extLst>
+          </p:cNvPr>
+          <p:cNvSpPr txBox="1">
+            <a:spLocks/>
+          </p:cNvSpPr>
+          <p:nvPr/>
+        </p:nvSpPr>
+        <p:spPr>
+          <a:xfrm>
+            <a:off x="0" y="685801"/>
+            <a:ext cx="11277600" cy="594296"/>
+          </a:xfrm>
+          <a:prstGeom prst="rect">
+            <a:avLst/>
+          </a:prstGeom>
+        </p:spPr>
+        <p:txBody>
+          <a:bodyPr vert="horz" lIns="91440" tIns="45720" rIns="91440" bIns="45720" rtlCol="0" anchor="b">
+            <a:normAutofit/>
+          </a:bodyPr>
+          <a:lstStyle>
+            <a:lvl1pPr algn="l" defTabSz="914400" rtl="0" eaLnBrk="1" latinLnBrk="0" hangingPunct="1">
+              <a:lnSpc>
+                <a:spcPct val="90000"/>
+              </a:lnSpc>
+              <a:spcBef>
+                <a:spcPct val="0"/>
+              </a:spcBef>
+              <a:buNone/>
+              <a:defRPr sz="3400" kern="1200" cap="all" baseline="0">
+                <a:solidFill>
+                  <a:schemeClr val="accent1">
+                    <a:lumMod val="75000"/>
+                  </a:schemeClr>
+                </a:solidFill>
+                <a:latin typeface="+mj-lt"/>
+                <a:ea typeface="+mj-ea"/>
+                <a:cs typeface="+mj-cs"/>
+              </a:defRPr>
+            </a:lvl1pPr>
+          </a:lstStyle>
+          <a:p>
+            <a:pPr marL="342900" indent="-342900">
+              <a:buAutoNum type="alphaLcPeriod"/>
+            </a:pPr>
+            <a:r>
+              <a:rPr lang="en-US" sz="1100" cap="none" dirty="0"/>
+              <a:t>Examine the distribution of individual key features, such as age, balance, and call duration.</a:t>
+            </a:r>
+          </a:p>
+          <a:p>
+            <a:pPr marL="342900" indent="-342900">
+              <a:buAutoNum type="alphaLcPeriod"/>
+            </a:pPr>
+            <a:r>
+              <a:rPr lang="en-US" sz="1100" cap="none" dirty="0"/>
+              <a:t>Analyze how features like age, job type, education, marital status, etc., Associate with the success of the term deposit campaign, using visualizations like bar charts, stacked bar charts, and heat maps.  </a:t>
+            </a:r>
+            <a:endParaRPr lang="en-US" sz="1100" cap="none" dirty="0">
+              <a:latin typeface="+mn-lt"/>
+            </a:endParaRPr>
+          </a:p>
+        </p:txBody>
+      </p:sp>
     </p:spTree>
     <p:extLst>
       <p:ext uri="{BB962C8B-B14F-4D97-AF65-F5344CB8AC3E}">
@@ -17018,65 +17042,6 @@
       </p:sp>
       <p:sp>
         <p:nvSpPr>
-          <p:cNvPr id="9" name="Title 1">
-            <a:extLst>
-              <a:ext uri="{FF2B5EF4-FFF2-40B4-BE49-F238E27FC236}">
-                <a16:creationId xmlns:a16="http://schemas.microsoft.com/office/drawing/2014/main" id="{99FF12E6-CF10-4520-9A6F-33844944D49F}"/>
-              </a:ext>
-            </a:extLst>
-          </p:cNvPr>
-          <p:cNvSpPr txBox="1">
-            <a:spLocks/>
-          </p:cNvSpPr>
-          <p:nvPr/>
-        </p:nvSpPr>
-        <p:spPr>
-          <a:xfrm>
-            <a:off x="190499" y="633440"/>
-            <a:ext cx="9591675" cy="438151"/>
-          </a:xfrm>
-          <a:prstGeom prst="rect">
-            <a:avLst/>
-          </a:prstGeom>
-        </p:spPr>
-        <p:txBody>
-          <a:bodyPr vert="horz" lIns="91440" tIns="45720" rIns="91440" bIns="45720" rtlCol="0" anchor="b">
-            <a:normAutofit/>
-          </a:bodyPr>
-          <a:lstStyle>
-            <a:lvl1pPr algn="l" defTabSz="914400" rtl="0" eaLnBrk="1" latinLnBrk="0" hangingPunct="1">
-              <a:lnSpc>
-                <a:spcPct val="90000"/>
-              </a:lnSpc>
-              <a:spcBef>
-                <a:spcPct val="0"/>
-              </a:spcBef>
-              <a:buNone/>
-              <a:defRPr sz="3400" kern="1200" cap="all" baseline="0">
-                <a:solidFill>
-                  <a:schemeClr val="accent1">
-                    <a:lumMod val="75000"/>
-                  </a:schemeClr>
-                </a:solidFill>
-                <a:latin typeface="+mj-lt"/>
-                <a:ea typeface="+mj-ea"/>
-                <a:cs typeface="+mj-cs"/>
-              </a:defRPr>
-            </a:lvl1pPr>
-          </a:lstStyle>
-          <a:p>
-            <a:r>
-              <a:rPr lang="en-US" sz="1600" cap="none" dirty="0"/>
-              <a:t>a. Examine the distribution of individual key features, such as age, balance, and call duration. </a:t>
-            </a:r>
-            <a:endParaRPr lang="en-US" sz="1600" cap="none" dirty="0">
-              <a:latin typeface="+mn-lt"/>
-            </a:endParaRPr>
-          </a:p>
-        </p:txBody>
-      </p:sp>
-      <p:sp>
-        <p:nvSpPr>
           <p:cNvPr id="11" name="Content Placeholder 2">
             <a:extLst>
               <a:ext uri="{FF2B5EF4-FFF2-40B4-BE49-F238E27FC236}">
@@ -17165,6 +17130,77 @@
           </a:prstGeom>
         </p:spPr>
       </p:pic>
+      <p:sp>
+        <p:nvSpPr>
+          <p:cNvPr id="6" name="Title 1">
+            <a:extLst>
+              <a:ext uri="{FF2B5EF4-FFF2-40B4-BE49-F238E27FC236}">
+                <a16:creationId xmlns:a16="http://schemas.microsoft.com/office/drawing/2014/main" id="{DFD7AF60-2FBC-4FC0-AD61-3530DFAA3F29}"/>
+              </a:ext>
+            </a:extLst>
+          </p:cNvPr>
+          <p:cNvSpPr txBox="1">
+            <a:spLocks/>
+          </p:cNvSpPr>
+          <p:nvPr/>
+        </p:nvSpPr>
+        <p:spPr>
+          <a:xfrm>
+            <a:off x="0" y="449725"/>
+            <a:ext cx="11277600" cy="594296"/>
+          </a:xfrm>
+          <a:prstGeom prst="rect">
+            <a:avLst/>
+          </a:prstGeom>
+        </p:spPr>
+        <p:txBody>
+          <a:bodyPr vert="horz" lIns="91440" tIns="45720" rIns="91440" bIns="45720" rtlCol="0" anchor="b">
+            <a:normAutofit/>
+          </a:bodyPr>
+          <a:lstStyle>
+            <a:lvl1pPr algn="l" defTabSz="914400" rtl="0" eaLnBrk="1" latinLnBrk="0" hangingPunct="1">
+              <a:lnSpc>
+                <a:spcPct val="90000"/>
+              </a:lnSpc>
+              <a:spcBef>
+                <a:spcPct val="0"/>
+              </a:spcBef>
+              <a:buNone/>
+              <a:defRPr sz="3400" kern="1200" cap="all" baseline="0">
+                <a:solidFill>
+                  <a:schemeClr val="accent1">
+                    <a:lumMod val="75000"/>
+                  </a:schemeClr>
+                </a:solidFill>
+                <a:latin typeface="+mj-lt"/>
+                <a:ea typeface="+mj-ea"/>
+                <a:cs typeface="+mj-cs"/>
+              </a:defRPr>
+            </a:lvl1pPr>
+          </a:lstStyle>
+          <a:p>
+            <a:pPr marL="342900" indent="-342900">
+              <a:buAutoNum type="alphaLcPeriod"/>
+            </a:pPr>
+            <a:r>
+              <a:rPr lang="en-US" sz="1050" cap="none" dirty="0"/>
+              <a:t>Examine the distribution of individual key features, such as age, balance, and call duration.</a:t>
+            </a:r>
+          </a:p>
+          <a:p>
+            <a:pPr marL="342900" indent="-342900">
+              <a:buAutoNum type="alphaLcPeriod"/>
+            </a:pPr>
+            <a:r>
+              <a:rPr lang="en-US" sz="1050" cap="none" dirty="0"/>
+              <a:t>Analyze how features like age, job type, education, marital status, etc., Associate with the success of the term deposit campaign, using visualizations like bar charts, stacked bar charts, and heat maps.  </a:t>
+            </a:r>
+            <a:endParaRPr lang="en-US" sz="1050" cap="none" dirty="0">
+              <a:latin typeface="+mn-lt"/>
+            </a:endParaRPr>
+          </a:p>
+        </p:txBody>
+      </p:sp>
     </p:spTree>
     <p:extLst>
       <p:ext uri="{BB962C8B-B14F-4D97-AF65-F5344CB8AC3E}">
